--- a/assets/manual/crocndoc.pptx
+++ b/assets/manual/crocndoc.pptx
@@ -3039,7 +3039,7 @@
                   <a:srgbClr val="000000"/>
                 </a:solidFill>
               </a:rPr>
-              <a:t>20.05.2025</a:t>
+              <a:t>27.09.2025</a:t>
             </a:fld>
             <a:endParaRPr lang="de-DE" dirty="0">
               <a:solidFill>
@@ -4078,7 +4078,7 @@
                   <a:srgbClr val="000000"/>
                 </a:solidFill>
               </a:rPr>
-              <a:t>20.05.2025</a:t>
+              <a:t>27.09.2025</a:t>
             </a:fld>
             <a:endParaRPr lang="de-DE" dirty="0">
               <a:solidFill>
@@ -6580,7 +6580,7 @@
           <a:p>
             <a:r>
               <a:rPr lang="en-US" sz="1200" dirty="0"/>
-              <a:t>Croc and Doc excel at different tasks. Croc is strong, can dash forward and bite his way through the enemy forces. Doc on the other is small but can fly over large areas void of any safe place to stand on. Well, to the untrained eye it might seem more like gliding. Both characters can be swapped while on ground. Beat the levels and you’ve won the game.</a:t>
+              <a:t>Croc and Doc excel at different tasks. Croc is strong, can dash forward and bite his way through the enemy forces. Doc on the other is small but can fly over large areas void of any safe place to stand on. Well, to the untrained eye it might seem more like gliding. Both characters can be swapped while on ground and if the other character is alive. At the start of each level, only Croc is alive. Beat the levels and you’ve won the game.</a:t>
             </a:r>
           </a:p>
           <a:p>
